--- a/ppt/trainslationModels.pptx
+++ b/ppt/trainslationModels.pptx
@@ -219,7 +219,7 @@
           <a:p>
             <a:fld id="{593F4049-CF41-9340-921C-9E953AEBC91D}" type="datetimeFigureOut">
               <a:rPr kumimoji="1" lang="zh-CN" altLang="en-US" smtClean="0"/>
-              <a:t>2020/12/9</a:t>
+              <a:t>2020/12/21</a:t>
             </a:fld>
             <a:endParaRPr kumimoji="1" lang="zh-CN" altLang="en-US"/>
           </a:p>
@@ -400,7 +400,7 @@
           <a:p>
             <a:fld id="{773ADF60-34E7-844F-99D8-BAD0570EEDCD}" type="datetimeFigureOut">
               <a:rPr kumimoji="1" lang="zh-CN" altLang="en-US" smtClean="0"/>
-              <a:t>2020/12/9</a:t>
+              <a:t>2020/12/21</a:t>
             </a:fld>
             <a:endParaRPr kumimoji="1" lang="zh-CN" altLang="en-US"/>
           </a:p>
@@ -782,7 +782,7 @@
           <a:p>
             <a:fld id="{037025F6-BFD7-9943-9B8C-F9131FE98D7C}" type="datetime1">
               <a:rPr kumimoji="1" lang="zh-CN" altLang="en-US" smtClean="0"/>
-              <a:t>2020/12/9</a:t>
+              <a:t>2020/12/21</a:t>
             </a:fld>
             <a:endParaRPr kumimoji="1" lang="zh-CN" altLang="en-US"/>
           </a:p>
@@ -989,7 +989,7 @@
           <a:p>
             <a:fld id="{647D2575-3400-2E41-90FF-EDCA20F43F99}" type="datetime1">
               <a:rPr kumimoji="1" lang="zh-CN" altLang="en-US" smtClean="0"/>
-              <a:t>2020/12/9</a:t>
+              <a:t>2020/12/21</a:t>
             </a:fld>
             <a:endParaRPr kumimoji="1" lang="zh-CN" altLang="en-US"/>
           </a:p>
@@ -1200,7 +1200,7 @@
           <a:p>
             <a:fld id="{36ECFBB6-623A-4347-8868-87D7C76649CA}" type="datetime1">
               <a:rPr kumimoji="1" lang="zh-CN" altLang="en-US" smtClean="0"/>
-              <a:t>2020/12/9</a:t>
+              <a:t>2020/12/21</a:t>
             </a:fld>
             <a:endParaRPr kumimoji="1" lang="zh-CN" altLang="en-US"/>
           </a:p>
@@ -1397,7 +1397,7 @@
           <a:p>
             <a:fld id="{0FFE54A3-7083-0B46-9318-71FCBA4970FF}" type="datetime1">
               <a:rPr kumimoji="1" lang="zh-CN" altLang="en-US" smtClean="0"/>
-              <a:t>2020/12/9</a:t>
+              <a:t>2020/12/21</a:t>
             </a:fld>
             <a:endParaRPr kumimoji="1" lang="zh-CN" altLang="en-US"/>
           </a:p>
@@ -1701,7 +1701,7 @@
           <a:p>
             <a:fld id="{FA36E5AB-1DB1-3246-8498-AB29222C4491}" type="datetime1">
               <a:rPr kumimoji="1" lang="zh-CN" altLang="en-US" smtClean="0"/>
-              <a:t>2020/12/9</a:t>
+              <a:t>2020/12/21</a:t>
             </a:fld>
             <a:endParaRPr kumimoji="1" lang="zh-CN" altLang="en-US"/>
           </a:p>
@@ -1941,7 +1941,7 @@
           <a:p>
             <a:fld id="{880FADD3-D1B8-6642-A020-F0B9B23822CF}" type="datetime1">
               <a:rPr kumimoji="1" lang="zh-CN" altLang="en-US" smtClean="0"/>
-              <a:t>2020/12/9</a:t>
+              <a:t>2020/12/21</a:t>
             </a:fld>
             <a:endParaRPr kumimoji="1" lang="zh-CN" altLang="en-US"/>
           </a:p>
@@ -2339,7 +2339,7 @@
           <a:p>
             <a:fld id="{2132969B-3872-7345-BAF3-8A93E3CC381D}" type="datetime1">
               <a:rPr kumimoji="1" lang="zh-CN" altLang="en-US" smtClean="0"/>
-              <a:t>2020/12/9</a:t>
+              <a:t>2020/12/21</a:t>
             </a:fld>
             <a:endParaRPr kumimoji="1" lang="zh-CN" altLang="en-US"/>
           </a:p>
@@ -2508,7 +2508,7 @@
           <a:p>
             <a:fld id="{26EBD1E5-AD2C-0C47-AB18-C7C987EADD3A}" type="datetime1">
               <a:rPr kumimoji="1" lang="zh-CN" altLang="en-US" smtClean="0"/>
-              <a:t>2020/12/9</a:t>
+              <a:t>2020/12/21</a:t>
             </a:fld>
             <a:endParaRPr kumimoji="1" lang="zh-CN" altLang="en-US"/>
           </a:p>
@@ -2654,7 +2654,7 @@
           <a:p>
             <a:fld id="{2A8A6A0D-FAF6-EC45-8392-652478D7B75D}" type="datetime1">
               <a:rPr kumimoji="1" lang="zh-CN" altLang="en-US" smtClean="0"/>
-              <a:t>2020/12/9</a:t>
+              <a:t>2020/12/21</a:t>
             </a:fld>
             <a:endParaRPr kumimoji="1" lang="zh-CN" altLang="en-US"/>
           </a:p>
@@ -2906,7 +2906,7 @@
           <a:p>
             <a:fld id="{1C2F5410-F6BC-EA4D-8469-1A13502203AE}" type="datetime1">
               <a:rPr kumimoji="1" lang="zh-CN" altLang="en-US" smtClean="0"/>
-              <a:t>2020/12/9</a:t>
+              <a:t>2020/12/21</a:t>
             </a:fld>
             <a:endParaRPr kumimoji="1" lang="zh-CN" altLang="en-US"/>
           </a:p>
@@ -3376,7 +3376,7 @@
           <a:p>
             <a:fld id="{5BBB7A7E-A911-544B-A9EC-5AB6052D4BD6}" type="datetime1">
               <a:rPr kumimoji="1" lang="zh-CN" altLang="en-US" smtClean="0"/>
-              <a:t>2020/12/9</a:t>
+              <a:t>2020/12/21</a:t>
             </a:fld>
             <a:endParaRPr kumimoji="1" lang="zh-CN" altLang="en-US"/>
           </a:p>
@@ -3722,7 +3722,7 @@
           <a:p>
             <a:fld id="{FDE08BF3-93D0-E545-B70C-6C991EE0E0DA}" type="datetime1">
               <a:rPr kumimoji="1" lang="zh-CN" altLang="en-US" smtClean="0"/>
-              <a:t>2020/12/9</a:t>
+              <a:t>2020/12/21</a:t>
             </a:fld>
             <a:endParaRPr kumimoji="1" lang="zh-CN" altLang="en-US"/>
           </a:p>
@@ -4550,8 +4550,8 @@
           </a:xfrm>
         </p:spPr>
       </p:pic>
-      <mc:AlternateContent xmlns:mc="http://schemas.openxmlformats.org/markup-compatibility/2006">
-        <mc:Choice xmlns:a14="http://schemas.microsoft.com/office/drawing/2010/main" Requires="a14">
+      <mc:AlternateContent xmlns:mc="http://schemas.openxmlformats.org/markup-compatibility/2006" xmlns:a14="http://schemas.microsoft.com/office/drawing/2010/main">
+        <mc:Choice Requires="a14">
           <p:sp>
             <p:nvSpPr>
               <p:cNvPr id="8" name="文本框 7">
@@ -4705,6 +4705,7 @@
                 <a:endParaRPr kumimoji="1" lang="en-US" altLang="zh-CN" dirty="0"/>
               </a:p>
               <a:p>
+                <a:pPr/>
                 <a14:m>
                   <m:oMathPara xmlns:m="http://schemas.openxmlformats.org/officeDocument/2006/math">
                     <m:oMathParaPr>
@@ -5147,7 +5148,7 @@
             </p:txBody>
           </p:sp>
         </mc:Choice>
-        <mc:Fallback>
+        <mc:Fallback xmlns="">
           <p:sp>
             <p:nvSpPr>
               <p:cNvPr id="8" name="文本框 7">
@@ -5259,8 +5260,8 @@
           </a:p>
         </p:txBody>
       </p:sp>
-      <mc:AlternateContent xmlns:mc="http://schemas.openxmlformats.org/markup-compatibility/2006">
-        <mc:Choice xmlns:a14="http://schemas.microsoft.com/office/drawing/2010/main" Requires="a14">
+      <mc:AlternateContent xmlns:mc="http://schemas.openxmlformats.org/markup-compatibility/2006" xmlns:a14="http://schemas.microsoft.com/office/drawing/2010/main">
+        <mc:Choice Requires="a14">
           <p:sp>
             <p:nvSpPr>
               <p:cNvPr id="8" name="文本框 7">
@@ -5330,6 +5331,7 @@
                 <a:endParaRPr lang="en" altLang="zh-CN" dirty="0"/>
               </a:p>
               <a:p>
+                <a:pPr/>
                 <a14:m>
                   <m:oMathPara xmlns:m="http://schemas.openxmlformats.org/officeDocument/2006/math">
                     <m:oMathParaPr>
@@ -5418,13 +5420,7 @@
                         <a:rPr lang="en-US" altLang="zh-CN" b="0" i="0" smtClean="0">
                           <a:latin typeface="Cambria Math" panose="02040503050406030204" pitchFamily="18" charset="0"/>
                         </a:rPr>
-                        <m:t>·</m:t>
-                      </m:r>
-                      <m:r>
-                        <a:rPr lang="zh-CN" altLang="en-US" b="0" i="0" smtClean="0">
-                          <a:latin typeface="Cambria Math" panose="02040503050406030204" pitchFamily="18" charset="0"/>
-                        </a:rPr>
-                        <m:t> </m:t>
+                        <m:t>· </m:t>
                       </m:r>
                       <m:r>
                         <m:rPr>
@@ -5613,6 +5609,7 @@
                 <a:endParaRPr kumimoji="1" lang="en-US" altLang="zh-CN" dirty="0"/>
               </a:p>
               <a:p>
+                <a:pPr/>
                 <a14:m>
                   <m:oMathPara xmlns:m="http://schemas.openxmlformats.org/officeDocument/2006/math">
                     <m:oMathParaPr>
@@ -6114,7 +6111,7 @@
             </p:txBody>
           </p:sp>
         </mc:Choice>
-        <mc:Fallback>
+        <mc:Fallback xmlns="">
           <p:sp>
             <p:nvSpPr>
               <p:cNvPr id="8" name="文本框 7">
@@ -6273,7 +6270,7 @@
             <p:spPr>
               <a:xfrm>
                 <a:off x="6096000" y="2182116"/>
-                <a:ext cx="5564393" cy="3788601"/>
+                <a:ext cx="5564393" cy="3792577"/>
               </a:xfrm>
               <a:prstGeom prst="rect">
                 <a:avLst/>
@@ -6311,6 +6308,7 @@
                 <a:endParaRPr lang="en" altLang="zh-CN" dirty="0"/>
               </a:p>
               <a:p>
+                <a:pPr/>
                 <a14:m>
                   <m:oMathPara xmlns:m="http://schemas.openxmlformats.org/officeDocument/2006/math">
                     <m:oMathParaPr>
@@ -6470,6 +6468,7 @@
                 <a:endParaRPr kumimoji="1" lang="en-US" altLang="zh-CN" dirty="0"/>
               </a:p>
               <a:p>
+                <a:pPr/>
                 <a14:m>
                   <m:oMathPara xmlns:m="http://schemas.openxmlformats.org/officeDocument/2006/math">
                     <m:oMathParaPr>
@@ -6788,9 +6787,10 @@
                 <a:endParaRPr kumimoji="1" lang="en-US" altLang="zh-CN" dirty="0"/>
               </a:p>
               <a:p>
+                <a:pPr algn="ctr"/>
                 <a:r>
                   <a:rPr kumimoji="1" lang="en-US" altLang="zh-CN" dirty="0"/>
-                  <a:t>		(</a:t>
+                  <a:t>(</a:t>
                 </a:r>
                 <a14:m>
                   <m:oMath xmlns:m="http://schemas.openxmlformats.org/officeDocument/2006/math">
@@ -6811,18 +6811,6 @@
                         <a:latin typeface="Cambria Math" panose="02040503050406030204" pitchFamily="18" charset="0"/>
                       </a:rPr>
                       <m:t>𝑟</m:t>
-                    </m:r>
-                    <m:r>
-                      <a:rPr kumimoji="1" lang="en-US" altLang="zh-CN" i="1">
-                        <a:latin typeface="Cambria Math" panose="02040503050406030204" pitchFamily="18" charset="0"/>
-                      </a:rPr>
-                      <m:t>,</m:t>
-                    </m:r>
-                    <m:r>
-                      <a:rPr kumimoji="1" lang="en-US" altLang="zh-CN" i="1">
-                        <a:latin typeface="Cambria Math" panose="02040503050406030204" pitchFamily="18" charset="0"/>
-                      </a:rPr>
-                      <m:t>𝑡</m:t>
                     </m:r>
                     <m:r>
                       <a:rPr kumimoji="1" lang="en-US" altLang="zh-CN" i="1">
@@ -6862,7 +6850,63 @@
                 </a14:m>
                 <a:r>
                   <a:rPr kumimoji="1" lang="en-US" altLang="zh-CN" dirty="0"/>
-                  <a:t> 	 </a:t>
+                  <a:t>,  </a:t>
+                </a:r>
+                <a14:m>
+                  <m:oMath xmlns:m="http://schemas.openxmlformats.org/officeDocument/2006/math">
+                    <m:r>
+                      <a:rPr kumimoji="1" lang="en-US" altLang="zh-CN" b="0" i="1" dirty="0" smtClean="0">
+                        <a:latin typeface="Cambria Math" panose="02040503050406030204" pitchFamily="18" charset="0"/>
+                      </a:rPr>
+                      <m:t>𝑡</m:t>
+                    </m:r>
+                  </m:oMath>
+                </a14:m>
+                <a:r>
+                  <a:rPr kumimoji="1" lang="en-US" altLang="zh-CN" dirty="0"/>
+                  <a:t> </a:t>
+                </a:r>
+                <a14:m>
+                  <m:oMath xmlns:m="http://schemas.openxmlformats.org/officeDocument/2006/math">
+                    <m:r>
+                      <a:rPr kumimoji="1" lang="en-US" altLang="zh-CN" i="1">
+                        <a:latin typeface="Cambria Math" panose="02040503050406030204" pitchFamily="18" charset="0"/>
+                      </a:rPr>
+                      <m:t>∈</m:t>
+                    </m:r>
+                    <m:sSup>
+                      <m:sSupPr>
+                        <m:ctrlPr>
+                          <a:rPr kumimoji="1" lang="en-US" altLang="zh-CN" i="1">
+                            <a:latin typeface="Cambria Math" panose="02040503050406030204" pitchFamily="18" charset="0"/>
+                            <a:ea typeface="Cambria Math" panose="02040503050406030204" pitchFamily="18" charset="0"/>
+                          </a:rPr>
+                        </m:ctrlPr>
+                      </m:sSupPr>
+                      <m:e>
+                        <m:r>
+                          <a:rPr kumimoji="1" lang="en-US" altLang="zh-CN" i="1">
+                            <a:latin typeface="Cambria Math" panose="02040503050406030204" pitchFamily="18" charset="0"/>
+                            <a:ea typeface="Cambria Math" panose="02040503050406030204" pitchFamily="18" charset="0"/>
+                          </a:rPr>
+                          <m:t>𝑅</m:t>
+                        </m:r>
+                      </m:e>
+                      <m:sup>
+                        <m:r>
+                          <a:rPr kumimoji="1" lang="en-US" altLang="zh-CN" b="0" i="1" smtClean="0">
+                            <a:latin typeface="Cambria Math" panose="02040503050406030204" pitchFamily="18" charset="0"/>
+                            <a:ea typeface="Cambria Math" panose="02040503050406030204" pitchFamily="18" charset="0"/>
+                          </a:rPr>
+                          <m:t>𝑗</m:t>
+                        </m:r>
+                      </m:sup>
+                    </m:sSup>
+                  </m:oMath>
+                </a14:m>
+                <a:r>
+                  <a:rPr kumimoji="1" lang="en-US" altLang="zh-CN" dirty="0"/>
+                  <a:t>	, </a:t>
                 </a:r>
                 <a14:m>
                   <m:oMath xmlns:m="http://schemas.openxmlformats.org/officeDocument/2006/math">
@@ -6876,10 +6920,13 @@
                       </m:sSubPr>
                       <m:e>
                         <m:r>
+                          <m:rPr>
+                            <m:sty m:val="p"/>
+                          </m:rPr>
                           <a:rPr lang="en-US" altLang="zh-CN" i="1">
                             <a:latin typeface="Cambria Math" panose="02040503050406030204" pitchFamily="18" charset="0"/>
                           </a:rPr>
-                          <m:t>𝑤</m:t>
+                          <m:t>M</m:t>
                         </m:r>
                       </m:e>
                       <m:sub>
@@ -6941,7 +6988,7 @@
                             <a:latin typeface="Cambria Math" panose="02040503050406030204" pitchFamily="18" charset="0"/>
                             <a:ea typeface="Cambria Math" panose="02040503050406030204" pitchFamily="18" charset="0"/>
                           </a:rPr>
-                          <m:t>𝑘</m:t>
+                          <m:t>𝑗</m:t>
                         </m:r>
                       </m:sup>
                     </m:sSup>
@@ -6949,8 +6996,33 @@
                 </a14:m>
                 <a:r>
                   <a:rPr kumimoji="1" lang="en-US" altLang="zh-CN" dirty="0"/>
-                  <a:t> </a:t>
+                  <a:t> ,</a:t>
                 </a:r>
+                <a14:m>
+                  <m:oMath xmlns:m="http://schemas.openxmlformats.org/officeDocument/2006/math">
+                    <m:r>
+                      <a:rPr kumimoji="1" lang="en-US" altLang="zh-CN" b="0" i="1" dirty="0" smtClean="0">
+                        <a:latin typeface="Cambria Math" panose="02040503050406030204" pitchFamily="18" charset="0"/>
+                      </a:rPr>
+                      <m:t>𝑘</m:t>
+                    </m:r>
+                    <m:r>
+                      <a:rPr kumimoji="1" lang="en-US" altLang="zh-CN" b="0" i="1" dirty="0" smtClean="0">
+                        <a:latin typeface="Cambria Math" panose="02040503050406030204" pitchFamily="18" charset="0"/>
+                        <a:ea typeface="Cambria Math" panose="02040503050406030204" pitchFamily="18" charset="0"/>
+                      </a:rPr>
+                      <m:t>≠</m:t>
+                    </m:r>
+                    <m:r>
+                      <a:rPr kumimoji="1" lang="en-US" altLang="zh-CN" b="0" i="1" dirty="0" smtClean="0">
+                        <a:latin typeface="Cambria Math" panose="02040503050406030204" pitchFamily="18" charset="0"/>
+                        <a:ea typeface="Cambria Math" panose="02040503050406030204" pitchFamily="18" charset="0"/>
+                      </a:rPr>
+                      <m:t>𝑗</m:t>
+                    </m:r>
+                  </m:oMath>
+                </a14:m>
+                <a:endParaRPr kumimoji="1" lang="en-US" altLang="zh-CN" dirty="0"/>
               </a:p>
               <a:p>
                 <a:r>
@@ -6985,7 +7057,7 @@
             <p:spPr>
               <a:xfrm>
                 <a:off x="6096000" y="2182116"/>
-                <a:ext cx="5564393" cy="3788601"/>
+                <a:ext cx="5564393" cy="3792577"/>
               </a:xfrm>
               <a:prstGeom prst="rect">
                 <a:avLst/>
@@ -6993,7 +7065,7 @@
               <a:blipFill>
                 <a:blip r:embed="rId2"/>
                 <a:stretch>
-                  <a:fillRect l="-913" t="-669"/>
+                  <a:fillRect l="-876" t="-965"/>
                 </a:stretch>
               </a:blipFill>
             </p:spPr>

--- a/ppt/trainslationModels.pptx
+++ b/ppt/trainslationModels.pptx
@@ -6788,10 +6788,6 @@
               </a:p>
               <a:p>
                 <a:pPr algn="ctr"/>
-                <a:r>
-                  <a:rPr kumimoji="1" lang="en-US" altLang="zh-CN" dirty="0"/>
-                  <a:t>(</a:t>
-                </a:r>
                 <a14:m>
                   <m:oMath xmlns:m="http://schemas.openxmlformats.org/officeDocument/2006/math">
                     <m:r>
@@ -6807,16 +6803,19 @@
                       <m:t>,</m:t>
                     </m:r>
                     <m:r>
+                      <m:rPr>
+                        <m:sty m:val="p"/>
+                      </m:rPr>
                       <a:rPr kumimoji="1" lang="en-US" altLang="zh-CN" i="1">
                         <a:latin typeface="Cambria Math" panose="02040503050406030204" pitchFamily="18" charset="0"/>
                       </a:rPr>
-                      <m:t>𝑟</m:t>
+                      <m:t>t</m:t>
                     </m:r>
                     <m:r>
                       <a:rPr kumimoji="1" lang="en-US" altLang="zh-CN" i="1">
                         <a:latin typeface="Cambria Math" panose="02040503050406030204" pitchFamily="18" charset="0"/>
                       </a:rPr>
-                      <m:t>)∈</m:t>
+                      <m:t>∈</m:t>
                     </m:r>
                     <m:sSup>
                       <m:sSupPr>
@@ -6850,15 +6849,24 @@
                 </a14:m>
                 <a:r>
                   <a:rPr kumimoji="1" lang="en-US" altLang="zh-CN" dirty="0"/>
-                  <a:t>,  </a:t>
+                  <a:t>, </a:t>
                 </a:r>
                 <a14:m>
                   <m:oMath xmlns:m="http://schemas.openxmlformats.org/officeDocument/2006/math">
                     <m:r>
-                      <a:rPr kumimoji="1" lang="en-US" altLang="zh-CN" b="0" i="1" dirty="0" smtClean="0">
+                      <a:rPr kumimoji="1" lang="en-US" altLang="zh-CN" b="0" i="0" dirty="0" smtClean="0">
                         <a:latin typeface="Cambria Math" panose="02040503050406030204" pitchFamily="18" charset="0"/>
                       </a:rPr>
-                      <m:t>𝑡</m:t>
+                      <m:t> </m:t>
+                    </m:r>
+                    <m:r>
+                      <m:rPr>
+                        <m:sty m:val="p"/>
+                      </m:rPr>
+                      <a:rPr kumimoji="1" lang="en-US" altLang="zh-CN" b="0" i="0" dirty="0" smtClean="0">
+                        <a:latin typeface="Cambria Math" panose="02040503050406030204" pitchFamily="18" charset="0"/>
+                      </a:rPr>
+                      <m:t>r</m:t>
                     </m:r>
                   </m:oMath>
                 </a14:m>
